--- a/June_Batch/2CSS/July-2022/04-07-22/CSS-combinatorSelector.pptx
+++ b/June_Batch/2CSS/July-2022/04-07-22/CSS-combinatorSelector.pptx
@@ -115,7 +115,7 @@
   </p:defaultTextStyle>
   <p:extLst>
     <p:ext uri="{EFAFB233-063F-42B5-8137-9DF3F51BA10A}">
-      <p15:sldGuideLst xmlns:p15="http://schemas.microsoft.com/office/powerpoint/2012/main" xmlns="">
+      <p15:sldGuideLst xmlns="" xmlns:p15="http://schemas.microsoft.com/office/powerpoint/2012/main">
         <p15:guide id="1" orient="horz" pos="2160">
           <p15:clr>
             <a:srgbClr val="A4A3A4"/>
@@ -316,7 +316,7 @@
     </p:spTree>
     <p:extLst>
       <p:ext uri="{BB962C8B-B14F-4D97-AF65-F5344CB8AC3E}">
-        <p14:creationId xmlns:p14="http://schemas.microsoft.com/office/powerpoint/2010/main" xmlns="" val="3096064434"/>
+        <p14:creationId xmlns="" xmlns:p14="http://schemas.microsoft.com/office/powerpoint/2010/main" val="3096064434"/>
       </p:ext>
     </p:extLst>
   </p:cSld>
@@ -488,7 +488,7 @@
     </p:spTree>
     <p:extLst>
       <p:ext uri="{BB962C8B-B14F-4D97-AF65-F5344CB8AC3E}">
-        <p14:creationId xmlns:p14="http://schemas.microsoft.com/office/powerpoint/2010/main" xmlns="" val="71407721"/>
+        <p14:creationId xmlns="" xmlns:p14="http://schemas.microsoft.com/office/powerpoint/2010/main" val="71407721"/>
       </p:ext>
     </p:extLst>
   </p:cSld>
@@ -670,7 +670,7 @@
     </p:spTree>
     <p:extLst>
       <p:ext uri="{BB962C8B-B14F-4D97-AF65-F5344CB8AC3E}">
-        <p14:creationId xmlns:p14="http://schemas.microsoft.com/office/powerpoint/2010/main" xmlns="" val="3852493858"/>
+        <p14:creationId xmlns="" xmlns:p14="http://schemas.microsoft.com/office/powerpoint/2010/main" val="3852493858"/>
       </p:ext>
     </p:extLst>
   </p:cSld>
@@ -842,7 +842,7 @@
     </p:spTree>
     <p:extLst>
       <p:ext uri="{BB962C8B-B14F-4D97-AF65-F5344CB8AC3E}">
-        <p14:creationId xmlns:p14="http://schemas.microsoft.com/office/powerpoint/2010/main" xmlns="" val="282795843"/>
+        <p14:creationId xmlns="" xmlns:p14="http://schemas.microsoft.com/office/powerpoint/2010/main" val="282795843"/>
       </p:ext>
     </p:extLst>
   </p:cSld>
@@ -1090,7 +1090,7 @@
     </p:spTree>
     <p:extLst>
       <p:ext uri="{BB962C8B-B14F-4D97-AF65-F5344CB8AC3E}">
-        <p14:creationId xmlns:p14="http://schemas.microsoft.com/office/powerpoint/2010/main" xmlns="" val="1315004973"/>
+        <p14:creationId xmlns="" xmlns:p14="http://schemas.microsoft.com/office/powerpoint/2010/main" val="1315004973"/>
       </p:ext>
     </p:extLst>
   </p:cSld>
@@ -1324,7 +1324,7 @@
     </p:spTree>
     <p:extLst>
       <p:ext uri="{BB962C8B-B14F-4D97-AF65-F5344CB8AC3E}">
-        <p14:creationId xmlns:p14="http://schemas.microsoft.com/office/powerpoint/2010/main" xmlns="" val="3048296005"/>
+        <p14:creationId xmlns="" xmlns:p14="http://schemas.microsoft.com/office/powerpoint/2010/main" val="3048296005"/>
       </p:ext>
     </p:extLst>
   </p:cSld>
@@ -1693,7 +1693,7 @@
     </p:spTree>
     <p:extLst>
       <p:ext uri="{BB962C8B-B14F-4D97-AF65-F5344CB8AC3E}">
-        <p14:creationId xmlns:p14="http://schemas.microsoft.com/office/powerpoint/2010/main" xmlns="" val="890299385"/>
+        <p14:creationId xmlns="" xmlns:p14="http://schemas.microsoft.com/office/powerpoint/2010/main" val="890299385"/>
       </p:ext>
     </p:extLst>
   </p:cSld>
@@ -1813,7 +1813,7 @@
     </p:spTree>
     <p:extLst>
       <p:ext uri="{BB962C8B-B14F-4D97-AF65-F5344CB8AC3E}">
-        <p14:creationId xmlns:p14="http://schemas.microsoft.com/office/powerpoint/2010/main" xmlns="" val="2049573599"/>
+        <p14:creationId xmlns="" xmlns:p14="http://schemas.microsoft.com/office/powerpoint/2010/main" val="2049573599"/>
       </p:ext>
     </p:extLst>
   </p:cSld>
@@ -1910,7 +1910,7 @@
     </p:spTree>
     <p:extLst>
       <p:ext uri="{BB962C8B-B14F-4D97-AF65-F5344CB8AC3E}">
-        <p14:creationId xmlns:p14="http://schemas.microsoft.com/office/powerpoint/2010/main" xmlns="" val="1896888541"/>
+        <p14:creationId xmlns="" xmlns:p14="http://schemas.microsoft.com/office/powerpoint/2010/main" val="1896888541"/>
       </p:ext>
     </p:extLst>
   </p:cSld>
@@ -2189,7 +2189,7 @@
     </p:spTree>
     <p:extLst>
       <p:ext uri="{BB962C8B-B14F-4D97-AF65-F5344CB8AC3E}">
-        <p14:creationId xmlns:p14="http://schemas.microsoft.com/office/powerpoint/2010/main" xmlns="" val="1581260034"/>
+        <p14:creationId xmlns="" xmlns:p14="http://schemas.microsoft.com/office/powerpoint/2010/main" val="1581260034"/>
       </p:ext>
     </p:extLst>
   </p:cSld>
@@ -2448,7 +2448,7 @@
     </p:spTree>
     <p:extLst>
       <p:ext uri="{BB962C8B-B14F-4D97-AF65-F5344CB8AC3E}">
-        <p14:creationId xmlns:p14="http://schemas.microsoft.com/office/powerpoint/2010/main" xmlns="" val="2397771766"/>
+        <p14:creationId xmlns="" xmlns:p14="http://schemas.microsoft.com/office/powerpoint/2010/main" val="2397771766"/>
       </p:ext>
     </p:extLst>
   </p:cSld>
@@ -2701,7 +2701,7 @@
           <p:cNvPr id="7" name="TextBox 6">
             <a:extLst>
               <a:ext uri="{FF2B5EF4-FFF2-40B4-BE49-F238E27FC236}">
-                <a16:creationId xmlns:a16="http://schemas.microsoft.com/office/drawing/2014/main" xmlns="" id="{847969B0-9AAB-4EBF-AF99-17A470D83F03}"/>
+                <a16:creationId xmlns="" xmlns:a16="http://schemas.microsoft.com/office/drawing/2014/main" id="{847969B0-9AAB-4EBF-AF99-17A470D83F03}"/>
               </a:ext>
             </a:extLst>
           </p:cNvPr>
@@ -2748,7 +2748,7 @@
     </p:spTree>
     <p:extLst>
       <p:ext uri="{BB962C8B-B14F-4D97-AF65-F5344CB8AC3E}">
-        <p14:creationId xmlns:p14="http://schemas.microsoft.com/office/powerpoint/2010/main" xmlns="" val="492407304"/>
+        <p14:creationId xmlns="" xmlns:p14="http://schemas.microsoft.com/office/powerpoint/2010/main" val="492407304"/>
       </p:ext>
     </p:extLst>
   </p:cSld>
@@ -3156,7 +3156,7 @@
     </p:spTree>
     <p:extLst>
       <p:ext uri="{BB962C8B-B14F-4D97-AF65-F5344CB8AC3E}">
-        <p14:creationId xmlns:p14="http://schemas.microsoft.com/office/powerpoint/2010/main" xmlns="" val="4062787881"/>
+        <p14:creationId xmlns="" xmlns:p14="http://schemas.microsoft.com/office/powerpoint/2010/main" val="4062787881"/>
       </p:ext>
     </p:extLst>
   </p:cSld>
@@ -4479,7 +4479,7 @@
   <a:extraClrSchemeLst/>
   <a:extLst>
     <a:ext uri="{05A4C25C-085E-4340-85A3-A5531E510DB2}">
-      <thm15:themeFamily xmlns:thm15="http://schemas.microsoft.com/office/thememl/2012/main" xmlns="" name="Office Theme" id="{62F939B6-93AF-4DB8-9C6B-D6C7DFDC589F}" vid="{4A3C46E8-61CC-4603-A589-7422A47A8E4A}"/>
+      <thm15:themeFamily xmlns="" xmlns:thm15="http://schemas.microsoft.com/office/thememl/2012/main" name="Office Theme" id="{62F939B6-93AF-4DB8-9C6B-D6C7DFDC589F}" vid="{4A3C46E8-61CC-4603-A589-7422A47A8E4A}"/>
     </a:ext>
   </a:extLst>
 </a:theme>
